--- a/04_teoria/Análise de sequência/Sequence Analysis v09.10.pptx
+++ b/04_teoria/Análise de sequência/Sequence Analysis v09.10.pptx
@@ -5,7 +5,7 @@
     <p:sldMasterId id="2147483648" r:id="rId1"/>
   </p:sldMasterIdLst>
   <p:notesMasterIdLst>
-    <p:notesMasterId r:id="rId38"/>
+    <p:notesMasterId r:id="rId39"/>
   </p:notesMasterIdLst>
   <p:sldIdLst>
     <p:sldId id="256" r:id="rId2"/>
@@ -43,7 +43,8 @@
     <p:sldId id="329" r:id="rId34"/>
     <p:sldId id="330" r:id="rId35"/>
     <p:sldId id="327" r:id="rId36"/>
-    <p:sldId id="262" r:id="rId37"/>
+    <p:sldId id="331" r:id="rId37"/>
+    <p:sldId id="262" r:id="rId38"/>
   </p:sldIdLst>
   <p:sldSz cx="12192000" cy="6858000"/>
   <p:notesSz cx="6858000" cy="9144000"/>
@@ -281,7 +282,7 @@
       <p15:sldGuideLst xmlns:p15="http://schemas.microsoft.com/office/powerpoint/2012/main"/>
     </p:ext>
     <p:ext uri="http://customooxmlschemas.google.com/">
-      <go:slidesCustomData xmlns:go="http://customooxmlschemas.google.com/" xmlns:ahyp="http://schemas.microsoft.com/office/drawing/2018/hyperlinkcolor" xmlns:p15="http://schemas.microsoft.com/office/powerpoint/2012/main" xmlns:p14="http://schemas.microsoft.com/office/powerpoint/2010/main" xmlns:com="http://schemas.openxmlformats.org/drawingml/2006/compatibility" xmlns:pvml="urn:schemas-microsoft-com:office:powerpoint" xmlns:v="urn:schemas-microsoft-com:vml" xmlns:o="urn:schemas-microsoft-com:office:office" xmlns:dgm="http://schemas.openxmlformats.org/drawingml/2006/diagram" xmlns:c="http://schemas.openxmlformats.org/drawingml/2006/chart" xmlns:mv="urn:schemas-microsoft-com:mac:vml" xmlns:mc="http://schemas.openxmlformats.org/markup-compatibility/2006" xmlns="" r:id="rId39" roundtripDataSignature="AMtx7mhAZ6v/zAArNyP+3kK5vJUDLndshA=="/>
+      <go:slidesCustomData xmlns:go="http://customooxmlschemas.google.com/" xmlns:ahyp="http://schemas.microsoft.com/office/drawing/2018/hyperlinkcolor" xmlns:p15="http://schemas.microsoft.com/office/powerpoint/2012/main" xmlns:p14="http://schemas.microsoft.com/office/powerpoint/2010/main" xmlns:com="http://schemas.openxmlformats.org/drawingml/2006/compatibility" xmlns:pvml="urn:schemas-microsoft-com:office:powerpoint" xmlns:v="urn:schemas-microsoft-com:vml" xmlns:o="urn:schemas-microsoft-com:office:office" xmlns:dgm="http://schemas.openxmlformats.org/drawingml/2006/diagram" xmlns:c="http://schemas.openxmlformats.org/drawingml/2006/chart" xmlns:mv="urn:schemas-microsoft-com:mac:vml" xmlns:mc="http://schemas.openxmlformats.org/markup-compatibility/2006" xmlns="" r:id="rId40" roundtripDataSignature="AMtx7mhAZ6v/zAArNyP+3kK5vJUDLndshA=="/>
     </p:ext>
   </p:extLst>
 </p:presentation>
@@ -18400,6 +18401,261 @@
   <p:cSld>
     <p:spTree>
       <p:nvGrpSpPr>
+        <p:cNvPr id="1" name=""/>
+        <p:cNvGrpSpPr/>
+        <p:nvPr/>
+      </p:nvGrpSpPr>
+      <p:grpSpPr>
+        <a:xfrm>
+          <a:off x="0" y="0"/>
+          <a:ext cx="0" cy="0"/>
+          <a:chOff x="0" y="0"/>
+          <a:chExt cx="0" cy="0"/>
+        </a:xfrm>
+      </p:grpSpPr>
+      <p:sp>
+        <p:nvSpPr>
+          <p:cNvPr id="6" name="CaixaDeTexto 5">
+            <a:extLst>
+              <a:ext uri="{FF2B5EF4-FFF2-40B4-BE49-F238E27FC236}">
+                <a16:creationId xmlns:a16="http://schemas.microsoft.com/office/drawing/2014/main" id="{A3764507-E252-439E-A226-FC01C4E5A27E}"/>
+              </a:ext>
+            </a:extLst>
+          </p:cNvPr>
+          <p:cNvSpPr txBox="1"/>
+          <p:nvPr/>
+        </p:nvSpPr>
+        <p:spPr>
+          <a:xfrm>
+            <a:off x="564874" y="1326468"/>
+            <a:ext cx="11062252" cy="5016758"/>
+          </a:xfrm>
+          <a:prstGeom prst="rect">
+            <a:avLst/>
+          </a:prstGeom>
+          <a:noFill/>
+        </p:spPr>
+        <p:txBody>
+          <a:bodyPr wrap="square">
+            <a:spAutoFit/>
+          </a:bodyPr>
+          <a:lstStyle/>
+          <a:p>
+            <a:r>
+              <a:rPr lang="pt-BR" sz="2000" b="1" dirty="0">
+                <a:latin typeface="Avenir"/>
+              </a:rPr>
+              <a:t>TIPOLOGIAS DA DINÂMICA OCUPACIONAL DOS TRABALHADORES POR CONTA PRÓPRIA BRASILEIROS</a:t>
+            </a:r>
+          </a:p>
+          <a:p>
+            <a:endParaRPr lang="pt-BR" sz="2000" dirty="0">
+              <a:latin typeface="Avenir"/>
+            </a:endParaRPr>
+          </a:p>
+          <a:p>
+            <a:r>
+              <a:rPr lang="pt-BR" sz="2000" dirty="0">
+                <a:latin typeface="Avenir"/>
+              </a:rPr>
+              <a:t>OBJETIVO: Analisar a dinâmica ocupacional de trabalhadores por conta própria.</a:t>
+            </a:r>
+          </a:p>
+          <a:p>
+            <a:endParaRPr lang="pt-BR" sz="2000" dirty="0">
+              <a:latin typeface="Avenir"/>
+            </a:endParaRPr>
+          </a:p>
+          <a:p>
+            <a:r>
+              <a:rPr lang="pt-BR" sz="2000" dirty="0">
+                <a:latin typeface="Avenir"/>
+              </a:rPr>
+              <a:t>MÉTODO:</a:t>
+            </a:r>
+          </a:p>
+          <a:p>
+            <a:pPr marL="285750" indent="-285750">
+              <a:buFont typeface="Arial" panose="020B0604020202020204" pitchFamily="34" charset="0"/>
+              <a:buChar char="•"/>
+            </a:pPr>
+            <a:r>
+              <a:rPr lang="pt-BR" sz="2000" dirty="0">
+                <a:latin typeface="Avenir"/>
+              </a:rPr>
+              <a:t>Vamos utilizar como variável  o empregador + </a:t>
+            </a:r>
+            <a:r>
+              <a:rPr lang="pt-BR" sz="2000" dirty="0" err="1">
+                <a:latin typeface="Avenir"/>
+              </a:rPr>
+              <a:t>tcp</a:t>
+            </a:r>
+            <a:r>
+              <a:rPr lang="pt-BR" sz="2000" dirty="0">
+                <a:latin typeface="Avenir"/>
+              </a:rPr>
+              <a:t>? (TIRA EMPREGADOR)</a:t>
+            </a:r>
+          </a:p>
+          <a:p>
+            <a:pPr marL="285750" indent="-285750">
+              <a:buFont typeface="Arial" panose="020B0604020202020204" pitchFamily="34" charset="0"/>
+              <a:buChar char="•"/>
+            </a:pPr>
+            <a:r>
+              <a:rPr lang="pt-BR" sz="2000" dirty="0">
+                <a:latin typeface="Avenir"/>
+              </a:rPr>
+              <a:t>Mudanças na nomenclatura: alterar para precarizados em vez de “por necessidade”, os demais ficam como estão: persistente e transitórios</a:t>
+            </a:r>
+          </a:p>
+          <a:p>
+            <a:pPr marL="285750" indent="-285750">
+              <a:buFont typeface="Arial" panose="020B0604020202020204" pitchFamily="34" charset="0"/>
+              <a:buChar char="•"/>
+            </a:pPr>
+            <a:r>
+              <a:rPr lang="pt-BR" sz="2000" dirty="0">
+                <a:latin typeface="Avenir"/>
+              </a:rPr>
+              <a:t>Vamos comparar com diferentes momentos econômicos? NÃO</a:t>
+            </a:r>
+          </a:p>
+          <a:p>
+            <a:pPr marL="285750" indent="-285750">
+              <a:buFont typeface="Arial" panose="020B0604020202020204" pitchFamily="34" charset="0"/>
+              <a:buChar char="•"/>
+            </a:pPr>
+            <a:r>
+              <a:rPr lang="pt-BR" sz="2000" dirty="0">
+                <a:latin typeface="Avenir"/>
+              </a:rPr>
+              <a:t>Inserir pesos para estimação </a:t>
+            </a:r>
+          </a:p>
+          <a:p>
+            <a:pPr marL="285750" indent="-285750">
+              <a:buFont typeface="Arial" panose="020B0604020202020204" pitchFamily="34" charset="0"/>
+              <a:buChar char="•"/>
+            </a:pPr>
+            <a:r>
+              <a:rPr lang="pt-BR" sz="2000" dirty="0">
+                <a:latin typeface="Avenir"/>
+              </a:rPr>
+              <a:t>Vamos acrescentar/ considerar os híbridos? NÃO</a:t>
+            </a:r>
+          </a:p>
+          <a:p>
+            <a:pPr marL="285750" indent="-285750">
+              <a:buFont typeface="Arial" panose="020B0604020202020204" pitchFamily="34" charset="0"/>
+              <a:buChar char="•"/>
+            </a:pPr>
+            <a:r>
+              <a:rPr lang="pt-BR" sz="2000" dirty="0">
+                <a:latin typeface="Avenir"/>
+              </a:rPr>
+              <a:t>Deixar três variáveis: PFT (pessoas fora do trabalho); CP (conta própria); EMP (empregados)</a:t>
+            </a:r>
+          </a:p>
+          <a:p>
+            <a:pPr marL="285750" indent="-285750">
+              <a:buFont typeface="Arial" panose="020B0604020202020204" pitchFamily="34" charset="0"/>
+              <a:buChar char="•"/>
+            </a:pPr>
+            <a:r>
+              <a:rPr lang="pt-BR" sz="2000" dirty="0">
+                <a:latin typeface="Avenir"/>
+              </a:rPr>
+              <a:t>Quais outras variáveis vamos comparar? renda, escolaridade, idade, sexo, horas trabalhadas, regiões do país, recortes temporais? </a:t>
+            </a:r>
+          </a:p>
+          <a:p>
+            <a:endParaRPr lang="pt-BR" sz="2000" dirty="0">
+              <a:latin typeface="Avenir"/>
+            </a:endParaRPr>
+          </a:p>
+          <a:p>
+            <a:r>
+              <a:rPr lang="pt-BR" sz="2000" dirty="0">
+                <a:latin typeface="Avenir"/>
+              </a:rPr>
+              <a:t>Achar na literatura como chamar este “constructo”. </a:t>
+            </a:r>
+          </a:p>
+        </p:txBody>
+      </p:sp>
+      <p:sp>
+        <p:nvSpPr>
+          <p:cNvPr id="7" name="Título 1">
+            <a:extLst>
+              <a:ext uri="{FF2B5EF4-FFF2-40B4-BE49-F238E27FC236}">
+                <a16:creationId xmlns:a16="http://schemas.microsoft.com/office/drawing/2014/main" id="{46C4A5F9-9E1B-4BFD-AC7E-7630706B08DC}"/>
+              </a:ext>
+            </a:extLst>
+          </p:cNvPr>
+          <p:cNvSpPr>
+            <a:spLocks noGrp="1"/>
+          </p:cNvSpPr>
+          <p:nvPr>
+            <p:ph type="title"/>
+          </p:nvPr>
+        </p:nvSpPr>
+        <p:spPr>
+          <a:xfrm>
+            <a:off x="838200" y="365125"/>
+            <a:ext cx="10515600" cy="1325563"/>
+          </a:xfrm>
+        </p:spPr>
+        <p:txBody>
+          <a:bodyPr/>
+          <a:lstStyle/>
+          <a:p>
+            <a:r>
+              <a:rPr lang="pt-BR" dirty="0"/>
+              <a:t>Reflexões </a:t>
+            </a:r>
+            <a:r>
+              <a:rPr lang="pt-BR" dirty="0" err="1"/>
+              <a:t>Academy</a:t>
+            </a:r>
+            <a:r>
+              <a:rPr lang="pt-BR" dirty="0"/>
+              <a:t> </a:t>
+            </a:r>
+            <a:r>
+              <a:rPr lang="pt-BR" dirty="0" err="1"/>
+              <a:t>of</a:t>
+            </a:r>
+            <a:r>
+              <a:rPr lang="pt-BR"/>
+              <a:t> Management</a:t>
+            </a:r>
+            <a:endParaRPr lang="pt-BR" dirty="0"/>
+          </a:p>
+        </p:txBody>
+      </p:sp>
+    </p:spTree>
+    <p:extLst>
+      <p:ext uri="{BB962C8B-B14F-4D97-AF65-F5344CB8AC3E}">
+        <p14:creationId xmlns:p14="http://schemas.microsoft.com/office/powerpoint/2010/main" val="2540398169"/>
+      </p:ext>
+    </p:extLst>
+  </p:cSld>
+  <p:clrMapOvr>
+    <a:masterClrMapping/>
+  </p:clrMapOvr>
+  <p:transition spd="slow">
+    <p:push dir="u"/>
+  </p:transition>
+</p:sld>
+</file>
+
+<file path=ppt/slides/slide37.xml><?xml version="1.0" encoding="utf-8"?>
+<p:sld xmlns:a="http://schemas.openxmlformats.org/drawingml/2006/main" xmlns:r="http://schemas.openxmlformats.org/officeDocument/2006/relationships" xmlns:p="http://schemas.openxmlformats.org/presentationml/2006/main">
+  <p:cSld>
+    <p:spTree>
+      <p:nvGrpSpPr>
         <p:cNvPr id="1" name="Shape 124"/>
         <p:cNvGrpSpPr/>
         <p:nvPr/>
